--- a/PROYECTO_AUTO/A.Material_Aulico/Presentacion Proyecto.pptx
+++ b/PROYECTO_AUTO/A.Material_Aulico/Presentacion Proyecto.pptx
@@ -582,7 +582,7 @@
           <a:p>
             <a:fld id="{92DD1645-9892-4135-B2B5-75AC00614A75}" type="datetimeFigureOut">
               <a:rPr lang="en-US" smtClean="0"/>
-              <a:t>9/9/2022</a:t>
+              <a:t>9/10/2022</a:t>
             </a:fld>
             <a:endParaRPr lang="en-US"/>
           </a:p>
@@ -780,7 +780,7 @@
           <a:p>
             <a:fld id="{92DD1645-9892-4135-B2B5-75AC00614A75}" type="datetimeFigureOut">
               <a:rPr lang="en-US" smtClean="0"/>
-              <a:t>9/9/2022</a:t>
+              <a:t>9/10/2022</a:t>
             </a:fld>
             <a:endParaRPr lang="en-US"/>
           </a:p>
@@ -988,7 +988,7 @@
           <a:p>
             <a:fld id="{92DD1645-9892-4135-B2B5-75AC00614A75}" type="datetimeFigureOut">
               <a:rPr lang="en-US" smtClean="0"/>
-              <a:t>9/9/2022</a:t>
+              <a:t>9/10/2022</a:t>
             </a:fld>
             <a:endParaRPr lang="en-US"/>
           </a:p>
@@ -1186,7 +1186,7 @@
           <a:p>
             <a:fld id="{92DD1645-9892-4135-B2B5-75AC00614A75}" type="datetimeFigureOut">
               <a:rPr lang="en-US" smtClean="0"/>
-              <a:t>9/9/2022</a:t>
+              <a:t>9/10/2022</a:t>
             </a:fld>
             <a:endParaRPr lang="en-US"/>
           </a:p>
@@ -1461,7 +1461,7 @@
           <a:p>
             <a:fld id="{92DD1645-9892-4135-B2B5-75AC00614A75}" type="datetimeFigureOut">
               <a:rPr lang="en-US" smtClean="0"/>
-              <a:t>9/9/2022</a:t>
+              <a:t>9/10/2022</a:t>
             </a:fld>
             <a:endParaRPr lang="en-US"/>
           </a:p>
@@ -1726,7 +1726,7 @@
           <a:p>
             <a:fld id="{92DD1645-9892-4135-B2B5-75AC00614A75}" type="datetimeFigureOut">
               <a:rPr lang="en-US" smtClean="0"/>
-              <a:t>9/9/2022</a:t>
+              <a:t>9/10/2022</a:t>
             </a:fld>
             <a:endParaRPr lang="en-US"/>
           </a:p>
@@ -2138,7 +2138,7 @@
           <a:p>
             <a:fld id="{92DD1645-9892-4135-B2B5-75AC00614A75}" type="datetimeFigureOut">
               <a:rPr lang="en-US" smtClean="0"/>
-              <a:t>9/9/2022</a:t>
+              <a:t>9/10/2022</a:t>
             </a:fld>
             <a:endParaRPr lang="en-US"/>
           </a:p>
@@ -2279,7 +2279,7 @@
           <a:p>
             <a:fld id="{92DD1645-9892-4135-B2B5-75AC00614A75}" type="datetimeFigureOut">
               <a:rPr lang="en-US" smtClean="0"/>
-              <a:t>9/9/2022</a:t>
+              <a:t>9/10/2022</a:t>
             </a:fld>
             <a:endParaRPr lang="en-US"/>
           </a:p>
@@ -2392,7 +2392,7 @@
           <a:p>
             <a:fld id="{92DD1645-9892-4135-B2B5-75AC00614A75}" type="datetimeFigureOut">
               <a:rPr lang="en-US" smtClean="0"/>
-              <a:t>9/9/2022</a:t>
+              <a:t>9/10/2022</a:t>
             </a:fld>
             <a:endParaRPr lang="en-US"/>
           </a:p>
@@ -2703,7 +2703,7 @@
           <a:p>
             <a:fld id="{92DD1645-9892-4135-B2B5-75AC00614A75}" type="datetimeFigureOut">
               <a:rPr lang="en-US" smtClean="0"/>
-              <a:t>9/9/2022</a:t>
+              <a:t>9/10/2022</a:t>
             </a:fld>
             <a:endParaRPr lang="en-US"/>
           </a:p>
@@ -2991,7 +2991,7 @@
           <a:p>
             <a:fld id="{92DD1645-9892-4135-B2B5-75AC00614A75}" type="datetimeFigureOut">
               <a:rPr lang="en-US" smtClean="0"/>
-              <a:t>9/9/2022</a:t>
+              <a:t>9/10/2022</a:t>
             </a:fld>
             <a:endParaRPr lang="en-US"/>
           </a:p>
@@ -3232,7 +3232,7 @@
           <a:p>
             <a:fld id="{92DD1645-9892-4135-B2B5-75AC00614A75}" type="datetimeFigureOut">
               <a:rPr lang="en-US" smtClean="0"/>
-              <a:t>9/9/2022</a:t>
+              <a:t>9/10/2022</a:t>
             </a:fld>
             <a:endParaRPr lang="en-US"/>
           </a:p>
@@ -4849,13 +4849,13 @@
   <p:clrMapOvr>
     <a:masterClrMapping/>
   </p:clrMapOvr>
-  <mc:AlternateContent xmlns:mc="http://schemas.openxmlformats.org/markup-compatibility/2006">
-    <mc:Choice xmlns:p159="http://schemas.microsoft.com/office/powerpoint/2015/09/main" Requires="p159">
+  <mc:AlternateContent xmlns:mc="http://schemas.openxmlformats.org/markup-compatibility/2006" xmlns:p159="http://schemas.microsoft.com/office/powerpoint/2015/09/main">
+    <mc:Choice Requires="p159">
       <p:transition xmlns:p14="http://schemas.microsoft.com/office/powerpoint/2010/main" spd="slow" p14:dur="2000">
         <p159:morph option="byObject"/>
       </p:transition>
     </mc:Choice>
-    <mc:Fallback>
+    <mc:Fallback xmlns="">
       <p:transition spd="slow">
         <p:fade/>
       </p:transition>
@@ -6071,13 +6071,13 @@
   <p:clrMapOvr>
     <a:masterClrMapping/>
   </p:clrMapOvr>
-  <mc:AlternateContent xmlns:mc="http://schemas.openxmlformats.org/markup-compatibility/2006">
-    <mc:Choice xmlns:p159="http://schemas.microsoft.com/office/powerpoint/2015/09/main" Requires="p159">
+  <mc:AlternateContent xmlns:mc="http://schemas.openxmlformats.org/markup-compatibility/2006" xmlns:p159="http://schemas.microsoft.com/office/powerpoint/2015/09/main">
+    <mc:Choice Requires="p159">
       <p:transition xmlns:p14="http://schemas.microsoft.com/office/powerpoint/2010/main" spd="slow" p14:dur="2000">
         <p159:morph option="byObject"/>
       </p:transition>
     </mc:Choice>
-    <mc:Fallback>
+    <mc:Fallback xmlns="">
       <p:transition spd="slow">
         <p:fade/>
       </p:transition>
@@ -7854,8 +7854,8 @@
         </p:nvSpPr>
         <p:spPr>
           <a:xfrm>
-            <a:off x="6795656" y="3354795"/>
-            <a:ext cx="4925289" cy="1754326"/>
+            <a:off x="6724107" y="1910258"/>
+            <a:ext cx="5608816" cy="4844468"/>
           </a:xfrm>
           <a:prstGeom prst="rect">
             <a:avLst/>
@@ -7868,15 +7868,97 @@
           </a:bodyPr>
           <a:lstStyle/>
           <a:p>
-            <a:pPr algn="just"/>
-            <a:r>
-              <a:rPr lang="en-US" dirty="0"/>
-              <a:t>Lorem ipsum dolor sit amet, consectetuer adipiscing elit. Maecenas porttitor congue massa. Fusce posuere, magna sed pulvinar ultricies, purus lectus malesuada libero, sit amet commodo magna eros quis urna.</a:t>
-            </a:r>
-          </a:p>
-          <a:p>
-            <a:pPr algn="just"/>
-            <a:endParaRPr lang="en-US" dirty="0"/>
+            <a:r>
+              <a:rPr lang="es-ES" sz="1600" b="1" u="sng" dirty="0"/>
+              <a:t>PROBLEMATICA</a:t>
+            </a:r>
+          </a:p>
+          <a:p>
+            <a:pPr>
+              <a:lnSpc>
+                <a:spcPct val="107000"/>
+              </a:lnSpc>
+              <a:spcAft>
+                <a:spcPts val="800"/>
+              </a:spcAft>
+            </a:pPr>
+            <a:r>
+              <a:rPr lang="es-AR" sz="1400" dirty="0">
+                <a:effectLst/>
+                <a:latin typeface="Calibri" panose="020F0502020204030204" pitchFamily="34" charset="0"/>
+                <a:ea typeface="Calibri" panose="020F0502020204030204" pitchFamily="34" charset="0"/>
+                <a:cs typeface="Times New Roman" panose="02020603050405020304" pitchFamily="18" charset="0"/>
+              </a:rPr>
+              <a:t>En el ámbito de la obra eléctrica y de aquellas que utilizan ductos para el transporte de servicios, el no contar con un buen registro de esta, se convierte en desconocimiento de la distribución de la infraestructura subterránea, el cual se torna en un problema que es muy conocido en la industria. Hoy en día la solución es un costoso proceso de sondeo ultrasónico en la superficie el cual toma tiempo y no es del todo efectivo. </a:t>
+            </a:r>
+          </a:p>
+          <a:p>
+            <a:r>
+              <a:rPr lang="es-ES" sz="1600" b="1" u="sng" dirty="0"/>
+              <a:t>SOLUCION</a:t>
+            </a:r>
+          </a:p>
+          <a:p>
+            <a:pPr>
+              <a:lnSpc>
+                <a:spcPct val="107000"/>
+              </a:lnSpc>
+              <a:spcAft>
+                <a:spcPts val="800"/>
+              </a:spcAft>
+            </a:pPr>
+            <a:r>
+              <a:rPr lang="es-AR" sz="1400" dirty="0">
+                <a:effectLst/>
+                <a:latin typeface="Calibri" panose="020F0502020204030204" pitchFamily="34" charset="0"/>
+                <a:ea typeface="Calibri" panose="020F0502020204030204" pitchFamily="34" charset="0"/>
+                <a:cs typeface="Times New Roman" panose="02020603050405020304" pitchFamily="18" charset="0"/>
+              </a:rPr>
+              <a:t>Nuestro proyecto es un dispositivo reducido el cual va a ser capaz de maniobrar en el interior de las trincheras y cañerías eléctricas subterráneas a través de un enlace de video y además se va a poder realizar un seguimiento en la superficie a treves de un radio faro, con el cual se realiza un relevamiento con el recorrido de la instalación, lo que permitirá tener un relevamiento exacto del recorrido.</a:t>
+            </a:r>
+          </a:p>
+          <a:p>
+            <a:r>
+              <a:rPr lang="es-ES" sz="1600" b="1" u="sng" dirty="0"/>
+              <a:t>IMPLEMENTACION</a:t>
+            </a:r>
+          </a:p>
+          <a:p>
+            <a:pPr>
+              <a:lnSpc>
+                <a:spcPct val="107000"/>
+              </a:lnSpc>
+              <a:spcAft>
+                <a:spcPts val="800"/>
+              </a:spcAft>
+            </a:pPr>
+            <a:r>
+              <a:rPr lang="es-AR" sz="1400" dirty="0">
+                <a:effectLst/>
+                <a:latin typeface="Calibri" panose="020F0502020204030204" pitchFamily="34" charset="0"/>
+                <a:ea typeface="Calibri" panose="020F0502020204030204" pitchFamily="34" charset="0"/>
+                <a:cs typeface="Times New Roman" panose="02020603050405020304" pitchFamily="18" charset="0"/>
+              </a:rPr>
+              <a:t>El dispositivo constará de una plataforma con cuatro ruedas, de tracción y dirección posterior, con un </a:t>
+            </a:r>
+            <a:r>
+              <a:rPr lang="es-AR" sz="1400" dirty="0" err="1">
+                <a:effectLst/>
+                <a:latin typeface="Calibri" panose="020F0502020204030204" pitchFamily="34" charset="0"/>
+                <a:ea typeface="Calibri" panose="020F0502020204030204" pitchFamily="34" charset="0"/>
+                <a:cs typeface="Times New Roman" panose="02020603050405020304" pitchFamily="18" charset="0"/>
+              </a:rPr>
+              <a:t>feed</a:t>
+            </a:r>
+            <a:r>
+              <a:rPr lang="es-AR" sz="1400" dirty="0">
+                <a:effectLst/>
+                <a:latin typeface="Calibri" panose="020F0502020204030204" pitchFamily="34" charset="0"/>
+                <a:ea typeface="Calibri" panose="020F0502020204030204" pitchFamily="34" charset="0"/>
+                <a:cs typeface="Times New Roman" panose="02020603050405020304" pitchFamily="18" charset="0"/>
+              </a:rPr>
+              <a:t> de video en vivo y un sistema posicionamiento por radio faro totalmente inalámbrico; el cual será captado en la superficie con otro dispositivo.</a:t>
+            </a:r>
           </a:p>
         </p:txBody>
       </p:sp>
@@ -8167,7 +8249,7 @@
         </p:nvSpPr>
         <p:spPr>
           <a:xfrm>
-            <a:off x="6795656" y="2893130"/>
+            <a:off x="7113277" y="1236747"/>
             <a:ext cx="3491345" cy="461665"/>
           </a:xfrm>
           <a:prstGeom prst="rect">
@@ -8302,8 +8384,8 @@
         </p:blipFill>
         <p:spPr>
           <a:xfrm>
-            <a:off x="10806545" y="5707076"/>
-            <a:ext cx="914400" cy="914400"/>
+            <a:off x="11644003" y="6141935"/>
+            <a:ext cx="688920" cy="688920"/>
           </a:xfrm>
           <a:prstGeom prst="rect">
             <a:avLst/>
@@ -8341,8 +8423,8 @@
         </p:blipFill>
         <p:spPr>
           <a:xfrm>
-            <a:off x="9892145" y="5570786"/>
-            <a:ext cx="914400" cy="914400"/>
+            <a:off x="6397440" y="1274351"/>
+            <a:ext cx="630384" cy="630384"/>
           </a:xfrm>
           <a:prstGeom prst="rect">
             <a:avLst/>
@@ -11029,13 +11111,13 @@
   <p:clrMapOvr>
     <a:masterClrMapping/>
   </p:clrMapOvr>
-  <mc:AlternateContent xmlns:mc="http://schemas.openxmlformats.org/markup-compatibility/2006">
-    <mc:Choice xmlns:p159="http://schemas.microsoft.com/office/powerpoint/2015/09/main" Requires="p159">
+  <mc:AlternateContent xmlns:mc="http://schemas.openxmlformats.org/markup-compatibility/2006" xmlns:p159="http://schemas.microsoft.com/office/powerpoint/2015/09/main">
+    <mc:Choice Requires="p159">
       <p:transition xmlns:p14="http://schemas.microsoft.com/office/powerpoint/2010/main" spd="slow" p14:dur="2000">
         <p159:morph option="byObject"/>
       </p:transition>
     </mc:Choice>
-    <mc:Fallback>
+    <mc:Fallback xmlns="">
       <p:transition spd="slow">
         <p:fade/>
       </p:transition>
@@ -11269,13 +11351,13 @@
   <p:clrMapOvr>
     <a:masterClrMapping/>
   </p:clrMapOvr>
-  <mc:AlternateContent xmlns:mc="http://schemas.openxmlformats.org/markup-compatibility/2006">
-    <mc:Choice xmlns:p159="http://schemas.microsoft.com/office/powerpoint/2015/09/main" Requires="p159">
+  <mc:AlternateContent xmlns:mc="http://schemas.openxmlformats.org/markup-compatibility/2006" xmlns:p159="http://schemas.microsoft.com/office/powerpoint/2015/09/main">
+    <mc:Choice Requires="p159">
       <p:transition xmlns:p14="http://schemas.microsoft.com/office/powerpoint/2010/main" spd="slow" p14:dur="2000">
         <p159:morph option="byObject"/>
       </p:transition>
     </mc:Choice>
-    <mc:Fallback>
+    <mc:Fallback xmlns="">
       <p:transition spd="slow">
         <p:fade/>
       </p:transition>
@@ -11509,13 +11591,13 @@
   <p:clrMapOvr>
     <a:masterClrMapping/>
   </p:clrMapOvr>
-  <mc:AlternateContent xmlns:mc="http://schemas.openxmlformats.org/markup-compatibility/2006">
-    <mc:Choice xmlns:p159="http://schemas.microsoft.com/office/powerpoint/2015/09/main" Requires="p159">
+  <mc:AlternateContent xmlns:mc="http://schemas.openxmlformats.org/markup-compatibility/2006" xmlns:p159="http://schemas.microsoft.com/office/powerpoint/2015/09/main">
+    <mc:Choice Requires="p159">
       <p:transition xmlns:p14="http://schemas.microsoft.com/office/powerpoint/2010/main" spd="slow" p14:dur="2000">
         <p159:morph option="byObject"/>
       </p:transition>
     </mc:Choice>
-    <mc:Fallback>
+    <mc:Fallback xmlns="">
       <p:transition spd="slow">
         <p:fade/>
       </p:transition>
